--- a/docs/Hardware_Init.pptx
+++ b/docs/Hardware_Init.pptx
@@ -5,8 +5,11 @@
     <p:sldMasterId id="2147483648" r:id="rId1"/>
   </p:sldMasterIdLst>
   <p:sldIdLst>
-    <p:sldId id="256" r:id="rId2"/>
-    <p:sldId id="257" r:id="rId3"/>
+    <p:sldId id="257" r:id="rId2"/>
+    <p:sldId id="258" r:id="rId3"/>
+    <p:sldId id="259" r:id="rId4"/>
+    <p:sldId id="260" r:id="rId5"/>
+    <p:sldId id="256" r:id="rId6"/>
   </p:sldIdLst>
   <p:sldSz cx="12192000" cy="6858000"/>
   <p:notesSz cx="6858000" cy="9144000"/>
@@ -105,6 +108,11 @@
       </a:defRPr>
     </a:lvl9pPr>
   </p:defaultTextStyle>
+  <p:extLst>
+    <p:ext uri="{EFAFB233-063F-42B5-8137-9DF3F51BA10A}">
+      <p15:sldGuideLst xmlns:p15="http://schemas.microsoft.com/office/powerpoint/2012/main"/>
+    </p:ext>
+  </p:extLst>
 </p:presentation>
 </file>
 
@@ -2949,6 +2957,972 @@
 </file>
 
 <file path=ppt/slides/slide1.xml><?xml version="1.0" encoding="utf-8"?>
+<p:sld xmlns:a="http://schemas.openxmlformats.org/drawingml/2006/main" xmlns:r="http://schemas.openxmlformats.org/officeDocument/2006/relationships" xmlns:p="http://schemas.openxmlformats.org/presentationml/2006/main">
+  <p:cSld>
+    <p:spTree>
+      <p:nvGrpSpPr>
+        <p:cNvPr id="1" name=""/>
+        <p:cNvGrpSpPr/>
+        <p:nvPr/>
+      </p:nvGrpSpPr>
+      <p:grpSpPr>
+        <a:xfrm>
+          <a:off x="0" y="0"/>
+          <a:ext cx="0" cy="0"/>
+          <a:chOff x="0" y="0"/>
+          <a:chExt cx="0" cy="0"/>
+        </a:xfrm>
+      </p:grpSpPr>
+      <p:grpSp>
+        <p:nvGrpSpPr>
+          <p:cNvPr id="7" name="群組 6"/>
+          <p:cNvGrpSpPr/>
+          <p:nvPr/>
+        </p:nvGrpSpPr>
+        <p:grpSpPr>
+          <a:xfrm>
+            <a:off x="-716730" y="-1290953"/>
+            <a:ext cx="12746229" cy="9774014"/>
+            <a:chOff x="-716730" y="-1290953"/>
+            <a:chExt cx="12746229" cy="9774014"/>
+          </a:xfrm>
+        </p:grpSpPr>
+        <p:pic>
+          <p:nvPicPr>
+            <p:cNvPr id="2" name="圖片 1"/>
+            <p:cNvPicPr>
+              <a:picLocks noChangeAspect="1"/>
+            </p:cNvPicPr>
+            <p:nvPr/>
+          </p:nvPicPr>
+          <p:blipFill>
+            <a:blip r:embed="rId2"/>
+            <a:stretch>
+              <a:fillRect/>
+            </a:stretch>
+          </p:blipFill>
+          <p:spPr>
+            <a:xfrm>
+              <a:off x="-716730" y="-1290953"/>
+              <a:ext cx="12746229" cy="9774014"/>
+            </a:xfrm>
+            <a:prstGeom prst="rect">
+              <a:avLst/>
+            </a:prstGeom>
+          </p:spPr>
+        </p:pic>
+        <p:sp>
+          <p:nvSpPr>
+            <p:cNvPr id="3" name="矩形 2"/>
+            <p:cNvSpPr/>
+            <p:nvPr/>
+          </p:nvSpPr>
+          <p:spPr>
+            <a:xfrm>
+              <a:off x="724786" y="-297163"/>
+              <a:ext cx="1112805" cy="297163"/>
+            </a:xfrm>
+            <a:prstGeom prst="rect">
+              <a:avLst/>
+            </a:prstGeom>
+            <a:noFill/>
+            <a:ln w="31750">
+              <a:solidFill>
+                <a:srgbClr val="FF0000"/>
+              </a:solidFill>
+            </a:ln>
+          </p:spPr>
+          <p:style>
+            <a:lnRef idx="2">
+              <a:schemeClr val="accent1">
+                <a:shade val="50000"/>
+              </a:schemeClr>
+            </a:lnRef>
+            <a:fillRef idx="1">
+              <a:schemeClr val="accent1"/>
+            </a:fillRef>
+            <a:effectRef idx="0">
+              <a:schemeClr val="accent1"/>
+            </a:effectRef>
+            <a:fontRef idx="minor">
+              <a:schemeClr val="lt1"/>
+            </a:fontRef>
+          </p:style>
+          <p:txBody>
+            <a:bodyPr rtlCol="0" anchor="ctr"/>
+            <a:lstStyle/>
+            <a:p>
+              <a:pPr algn="ctr"/>
+              <a:endParaRPr lang="zh-TW" altLang="en-US"/>
+            </a:p>
+          </p:txBody>
+        </p:sp>
+        <p:sp>
+          <p:nvSpPr>
+            <p:cNvPr id="4" name="矩形 3"/>
+            <p:cNvSpPr/>
+            <p:nvPr/>
+          </p:nvSpPr>
+          <p:spPr>
+            <a:xfrm>
+              <a:off x="619278" y="772117"/>
+              <a:ext cx="1781021" cy="353298"/>
+            </a:xfrm>
+            <a:prstGeom prst="rect">
+              <a:avLst/>
+            </a:prstGeom>
+            <a:noFill/>
+            <a:ln w="31750">
+              <a:solidFill>
+                <a:srgbClr val="FF0000"/>
+              </a:solidFill>
+            </a:ln>
+          </p:spPr>
+          <p:style>
+            <a:lnRef idx="2">
+              <a:schemeClr val="accent1">
+                <a:shade val="50000"/>
+              </a:schemeClr>
+            </a:lnRef>
+            <a:fillRef idx="1">
+              <a:schemeClr val="accent1"/>
+            </a:fillRef>
+            <a:effectRef idx="0">
+              <a:schemeClr val="accent1"/>
+            </a:effectRef>
+            <a:fontRef idx="minor">
+              <a:schemeClr val="lt1"/>
+            </a:fontRef>
+          </p:style>
+          <p:txBody>
+            <a:bodyPr rtlCol="0" anchor="ctr"/>
+            <a:lstStyle/>
+            <a:p>
+              <a:pPr algn="ctr"/>
+              <a:endParaRPr lang="zh-TW" altLang="en-US"/>
+            </a:p>
+          </p:txBody>
+        </p:sp>
+        <p:sp>
+          <p:nvSpPr>
+            <p:cNvPr id="5" name="矩形 4"/>
+            <p:cNvSpPr/>
+            <p:nvPr/>
+          </p:nvSpPr>
+          <p:spPr>
+            <a:xfrm>
+              <a:off x="2699238" y="5664022"/>
+              <a:ext cx="9064870" cy="1053301"/>
+            </a:xfrm>
+            <a:prstGeom prst="rect">
+              <a:avLst/>
+            </a:prstGeom>
+            <a:noFill/>
+            <a:ln w="31750">
+              <a:solidFill>
+                <a:srgbClr val="FF0000"/>
+              </a:solidFill>
+            </a:ln>
+          </p:spPr>
+          <p:style>
+            <a:lnRef idx="2">
+              <a:schemeClr val="accent1">
+                <a:shade val="50000"/>
+              </a:schemeClr>
+            </a:lnRef>
+            <a:fillRef idx="1">
+              <a:schemeClr val="accent1"/>
+            </a:fillRef>
+            <a:effectRef idx="0">
+              <a:schemeClr val="accent1"/>
+            </a:effectRef>
+            <a:fontRef idx="minor">
+              <a:schemeClr val="lt1"/>
+            </a:fontRef>
+          </p:style>
+          <p:txBody>
+            <a:bodyPr rtlCol="0" anchor="ctr"/>
+            <a:lstStyle/>
+            <a:p>
+              <a:pPr algn="ctr"/>
+              <a:endParaRPr lang="zh-TW" altLang="en-US"/>
+            </a:p>
+          </p:txBody>
+        </p:sp>
+        <p:sp>
+          <p:nvSpPr>
+            <p:cNvPr id="6" name="矩形 5"/>
+            <p:cNvSpPr/>
+            <p:nvPr/>
+          </p:nvSpPr>
+          <p:spPr>
+            <a:xfrm>
+              <a:off x="9191780" y="8115301"/>
+              <a:ext cx="910582" cy="367760"/>
+            </a:xfrm>
+            <a:prstGeom prst="rect">
+              <a:avLst/>
+            </a:prstGeom>
+            <a:noFill/>
+            <a:ln w="31750">
+              <a:solidFill>
+                <a:srgbClr val="FF0000"/>
+              </a:solidFill>
+            </a:ln>
+          </p:spPr>
+          <p:style>
+            <a:lnRef idx="2">
+              <a:schemeClr val="accent1">
+                <a:shade val="50000"/>
+              </a:schemeClr>
+            </a:lnRef>
+            <a:fillRef idx="1">
+              <a:schemeClr val="accent1"/>
+            </a:fillRef>
+            <a:effectRef idx="0">
+              <a:schemeClr val="accent1"/>
+            </a:effectRef>
+            <a:fontRef idx="minor">
+              <a:schemeClr val="lt1"/>
+            </a:fontRef>
+          </p:style>
+          <p:txBody>
+            <a:bodyPr rtlCol="0" anchor="ctr"/>
+            <a:lstStyle/>
+            <a:p>
+              <a:pPr algn="ctr"/>
+              <a:endParaRPr lang="zh-TW" altLang="en-US"/>
+            </a:p>
+          </p:txBody>
+        </p:sp>
+      </p:grpSp>
+    </p:spTree>
+    <p:extLst>
+      <p:ext uri="{BB962C8B-B14F-4D97-AF65-F5344CB8AC3E}">
+        <p14:creationId xmlns:p14="http://schemas.microsoft.com/office/powerpoint/2010/main" val="1477688609"/>
+      </p:ext>
+    </p:extLst>
+  </p:cSld>
+  <p:clrMapOvr>
+    <a:masterClrMapping/>
+  </p:clrMapOvr>
+</p:sld>
+</file>
+
+<file path=ppt/slides/slide2.xml><?xml version="1.0" encoding="utf-8"?>
+<p:sld xmlns:a="http://schemas.openxmlformats.org/drawingml/2006/main" xmlns:r="http://schemas.openxmlformats.org/officeDocument/2006/relationships" xmlns:p="http://schemas.openxmlformats.org/presentationml/2006/main">
+  <p:cSld>
+    <p:spTree>
+      <p:nvGrpSpPr>
+        <p:cNvPr id="1" name=""/>
+        <p:cNvGrpSpPr/>
+        <p:nvPr/>
+      </p:nvGrpSpPr>
+      <p:grpSpPr>
+        <a:xfrm>
+          <a:off x="0" y="0"/>
+          <a:ext cx="0" cy="0"/>
+          <a:chOff x="0" y="0"/>
+          <a:chExt cx="0" cy="0"/>
+        </a:xfrm>
+      </p:grpSpPr>
+      <p:grpSp>
+        <p:nvGrpSpPr>
+          <p:cNvPr id="7" name="群組 6"/>
+          <p:cNvGrpSpPr/>
+          <p:nvPr/>
+        </p:nvGrpSpPr>
+        <p:grpSpPr>
+          <a:xfrm>
+            <a:off x="3239976" y="-566968"/>
+            <a:ext cx="5096586" cy="8554644"/>
+            <a:chOff x="3239976" y="-566968"/>
+            <a:chExt cx="5096586" cy="8554644"/>
+          </a:xfrm>
+        </p:grpSpPr>
+        <p:pic>
+          <p:nvPicPr>
+            <p:cNvPr id="2" name="圖片 1"/>
+            <p:cNvPicPr>
+              <a:picLocks noChangeAspect="1"/>
+            </p:cNvPicPr>
+            <p:nvPr/>
+          </p:nvPicPr>
+          <p:blipFill>
+            <a:blip r:embed="rId2"/>
+            <a:stretch>
+              <a:fillRect/>
+            </a:stretch>
+          </p:blipFill>
+          <p:spPr>
+            <a:xfrm>
+              <a:off x="3239976" y="-566968"/>
+              <a:ext cx="5096586" cy="8554644"/>
+            </a:xfrm>
+            <a:prstGeom prst="rect">
+              <a:avLst/>
+            </a:prstGeom>
+          </p:spPr>
+        </p:pic>
+        <p:sp>
+          <p:nvSpPr>
+            <p:cNvPr id="3" name="矩形 2"/>
+            <p:cNvSpPr/>
+            <p:nvPr/>
+          </p:nvSpPr>
+          <p:spPr>
+            <a:xfrm>
+              <a:off x="3388856" y="634822"/>
+              <a:ext cx="900546" cy="221673"/>
+            </a:xfrm>
+            <a:prstGeom prst="rect">
+              <a:avLst/>
+            </a:prstGeom>
+            <a:noFill/>
+            <a:ln w="31750">
+              <a:solidFill>
+                <a:srgbClr val="FF0000"/>
+              </a:solidFill>
+            </a:ln>
+          </p:spPr>
+          <p:style>
+            <a:lnRef idx="2">
+              <a:schemeClr val="accent1">
+                <a:shade val="50000"/>
+              </a:schemeClr>
+            </a:lnRef>
+            <a:fillRef idx="1">
+              <a:schemeClr val="accent1"/>
+            </a:fillRef>
+            <a:effectRef idx="0">
+              <a:schemeClr val="accent1"/>
+            </a:effectRef>
+            <a:fontRef idx="minor">
+              <a:schemeClr val="lt1"/>
+            </a:fontRef>
+          </p:style>
+          <p:txBody>
+            <a:bodyPr rtlCol="0" anchor="ctr"/>
+            <a:lstStyle/>
+            <a:p>
+              <a:pPr algn="ctr"/>
+              <a:endParaRPr lang="zh-TW" altLang="en-US"/>
+            </a:p>
+          </p:txBody>
+        </p:sp>
+        <p:sp>
+          <p:nvSpPr>
+            <p:cNvPr id="4" name="矩形 3"/>
+            <p:cNvSpPr/>
+            <p:nvPr/>
+          </p:nvSpPr>
+          <p:spPr>
+            <a:xfrm>
+              <a:off x="3459195" y="1688123"/>
+              <a:ext cx="752320" cy="205864"/>
+            </a:xfrm>
+            <a:prstGeom prst="rect">
+              <a:avLst/>
+            </a:prstGeom>
+            <a:noFill/>
+            <a:ln w="31750">
+              <a:solidFill>
+                <a:srgbClr val="FF0000"/>
+              </a:solidFill>
+            </a:ln>
+          </p:spPr>
+          <p:style>
+            <a:lnRef idx="2">
+              <a:schemeClr val="accent1">
+                <a:shade val="50000"/>
+              </a:schemeClr>
+            </a:lnRef>
+            <a:fillRef idx="1">
+              <a:schemeClr val="accent1"/>
+            </a:fillRef>
+            <a:effectRef idx="0">
+              <a:schemeClr val="accent1"/>
+            </a:effectRef>
+            <a:fontRef idx="minor">
+              <a:schemeClr val="lt1"/>
+            </a:fontRef>
+          </p:style>
+          <p:txBody>
+            <a:bodyPr rtlCol="0" anchor="ctr"/>
+            <a:lstStyle/>
+            <a:p>
+              <a:pPr algn="ctr"/>
+              <a:endParaRPr lang="zh-TW" altLang="en-US"/>
+            </a:p>
+          </p:txBody>
+        </p:sp>
+        <p:sp>
+          <p:nvSpPr>
+            <p:cNvPr id="5" name="矩形 4"/>
+            <p:cNvSpPr/>
+            <p:nvPr/>
+          </p:nvSpPr>
+          <p:spPr>
+            <a:xfrm>
+              <a:off x="5328138" y="856495"/>
+              <a:ext cx="1230924" cy="268920"/>
+            </a:xfrm>
+            <a:prstGeom prst="rect">
+              <a:avLst/>
+            </a:prstGeom>
+            <a:noFill/>
+            <a:ln w="31750">
+              <a:solidFill>
+                <a:srgbClr val="FF0000"/>
+              </a:solidFill>
+            </a:ln>
+          </p:spPr>
+          <p:style>
+            <a:lnRef idx="2">
+              <a:schemeClr val="accent1">
+                <a:shade val="50000"/>
+              </a:schemeClr>
+            </a:lnRef>
+            <a:fillRef idx="1">
+              <a:schemeClr val="accent1"/>
+            </a:fillRef>
+            <a:effectRef idx="0">
+              <a:schemeClr val="accent1"/>
+            </a:effectRef>
+            <a:fontRef idx="minor">
+              <a:schemeClr val="lt1"/>
+            </a:fontRef>
+          </p:style>
+          <p:txBody>
+            <a:bodyPr rtlCol="0" anchor="ctr"/>
+            <a:lstStyle/>
+            <a:p>
+              <a:pPr algn="ctr"/>
+              <a:endParaRPr lang="zh-TW" altLang="en-US"/>
+            </a:p>
+          </p:txBody>
+        </p:sp>
+        <p:sp>
+          <p:nvSpPr>
+            <p:cNvPr id="6" name="矩形 5"/>
+            <p:cNvSpPr/>
+            <p:nvPr/>
+          </p:nvSpPr>
+          <p:spPr>
+            <a:xfrm>
+              <a:off x="6207369" y="1962461"/>
+              <a:ext cx="290146" cy="221673"/>
+            </a:xfrm>
+            <a:prstGeom prst="rect">
+              <a:avLst/>
+            </a:prstGeom>
+            <a:noFill/>
+            <a:ln w="31750">
+              <a:solidFill>
+                <a:srgbClr val="FF0000"/>
+              </a:solidFill>
+            </a:ln>
+          </p:spPr>
+          <p:style>
+            <a:lnRef idx="2">
+              <a:schemeClr val="accent1">
+                <a:shade val="50000"/>
+              </a:schemeClr>
+            </a:lnRef>
+            <a:fillRef idx="1">
+              <a:schemeClr val="accent1"/>
+            </a:fillRef>
+            <a:effectRef idx="0">
+              <a:schemeClr val="accent1"/>
+            </a:effectRef>
+            <a:fontRef idx="minor">
+              <a:schemeClr val="lt1"/>
+            </a:fontRef>
+          </p:style>
+          <p:txBody>
+            <a:bodyPr rtlCol="0" anchor="ctr"/>
+            <a:lstStyle/>
+            <a:p>
+              <a:pPr algn="ctr"/>
+              <a:endParaRPr lang="zh-TW" altLang="en-US"/>
+            </a:p>
+          </p:txBody>
+        </p:sp>
+      </p:grpSp>
+    </p:spTree>
+    <p:extLst>
+      <p:ext uri="{BB962C8B-B14F-4D97-AF65-F5344CB8AC3E}">
+        <p14:creationId xmlns:p14="http://schemas.microsoft.com/office/powerpoint/2010/main" val="2695767692"/>
+      </p:ext>
+    </p:extLst>
+  </p:cSld>
+  <p:clrMapOvr>
+    <a:masterClrMapping/>
+  </p:clrMapOvr>
+</p:sld>
+</file>
+
+<file path=ppt/slides/slide3.xml><?xml version="1.0" encoding="utf-8"?>
+<p:sld xmlns:a="http://schemas.openxmlformats.org/drawingml/2006/main" xmlns:r="http://schemas.openxmlformats.org/officeDocument/2006/relationships" xmlns:p="http://schemas.openxmlformats.org/presentationml/2006/main">
+  <p:cSld>
+    <p:spTree>
+      <p:nvGrpSpPr>
+        <p:cNvPr id="1" name=""/>
+        <p:cNvGrpSpPr/>
+        <p:nvPr/>
+      </p:nvGrpSpPr>
+      <p:grpSpPr>
+        <a:xfrm>
+          <a:off x="0" y="0"/>
+          <a:ext cx="0" cy="0"/>
+          <a:chOff x="0" y="0"/>
+          <a:chExt cx="0" cy="0"/>
+        </a:xfrm>
+      </p:grpSpPr>
+      <p:grpSp>
+        <p:nvGrpSpPr>
+          <p:cNvPr id="10" name="群組 9"/>
+          <p:cNvGrpSpPr/>
+          <p:nvPr/>
+        </p:nvGrpSpPr>
+        <p:grpSpPr>
+          <a:xfrm>
+            <a:off x="3371861" y="-657827"/>
+            <a:ext cx="5096586" cy="8630854"/>
+            <a:chOff x="3371861" y="-657827"/>
+            <a:chExt cx="5096586" cy="8630854"/>
+          </a:xfrm>
+        </p:grpSpPr>
+        <p:pic>
+          <p:nvPicPr>
+            <p:cNvPr id="2" name="圖片 1"/>
+            <p:cNvPicPr>
+              <a:picLocks noChangeAspect="1"/>
+            </p:cNvPicPr>
+            <p:nvPr/>
+          </p:nvPicPr>
+          <p:blipFill>
+            <a:blip r:embed="rId2"/>
+            <a:stretch>
+              <a:fillRect/>
+            </a:stretch>
+          </p:blipFill>
+          <p:spPr>
+            <a:xfrm>
+              <a:off x="3371861" y="-657827"/>
+              <a:ext cx="5096586" cy="8630854"/>
+            </a:xfrm>
+            <a:prstGeom prst="rect">
+              <a:avLst/>
+            </a:prstGeom>
+          </p:spPr>
+        </p:pic>
+        <p:sp>
+          <p:nvSpPr>
+            <p:cNvPr id="3" name="矩形 2"/>
+            <p:cNvSpPr/>
+            <p:nvPr/>
+          </p:nvSpPr>
+          <p:spPr>
+            <a:xfrm>
+              <a:off x="3599872" y="1995855"/>
+              <a:ext cx="550097" cy="188278"/>
+            </a:xfrm>
+            <a:prstGeom prst="rect">
+              <a:avLst/>
+            </a:prstGeom>
+            <a:noFill/>
+            <a:ln w="31750">
+              <a:solidFill>
+                <a:srgbClr val="FF0000"/>
+              </a:solidFill>
+            </a:ln>
+          </p:spPr>
+          <p:style>
+            <a:lnRef idx="2">
+              <a:schemeClr val="accent1">
+                <a:shade val="50000"/>
+              </a:schemeClr>
+            </a:lnRef>
+            <a:fillRef idx="1">
+              <a:schemeClr val="accent1"/>
+            </a:fillRef>
+            <a:effectRef idx="0">
+              <a:schemeClr val="accent1"/>
+            </a:effectRef>
+            <a:fontRef idx="minor">
+              <a:schemeClr val="lt1"/>
+            </a:fontRef>
+          </p:style>
+          <p:txBody>
+            <a:bodyPr rtlCol="0" anchor="ctr"/>
+            <a:lstStyle/>
+            <a:p>
+              <a:pPr algn="ctr"/>
+              <a:endParaRPr lang="zh-TW" altLang="en-US"/>
+            </a:p>
+          </p:txBody>
+        </p:sp>
+        <p:sp>
+          <p:nvSpPr>
+            <p:cNvPr id="4" name="矩形 3"/>
+            <p:cNvSpPr/>
+            <p:nvPr/>
+          </p:nvSpPr>
+          <p:spPr>
+            <a:xfrm>
+              <a:off x="5543994" y="474785"/>
+              <a:ext cx="2676814" cy="281353"/>
+            </a:xfrm>
+            <a:prstGeom prst="rect">
+              <a:avLst/>
+            </a:prstGeom>
+            <a:noFill/>
+            <a:ln w="31750">
+              <a:solidFill>
+                <a:srgbClr val="FF0000"/>
+              </a:solidFill>
+            </a:ln>
+          </p:spPr>
+          <p:style>
+            <a:lnRef idx="2">
+              <a:schemeClr val="accent1">
+                <a:shade val="50000"/>
+              </a:schemeClr>
+            </a:lnRef>
+            <a:fillRef idx="1">
+              <a:schemeClr val="accent1"/>
+            </a:fillRef>
+            <a:effectRef idx="0">
+              <a:schemeClr val="accent1"/>
+            </a:effectRef>
+            <a:fontRef idx="minor">
+              <a:schemeClr val="lt1"/>
+            </a:fontRef>
+          </p:style>
+          <p:txBody>
+            <a:bodyPr rtlCol="0" anchor="ctr"/>
+            <a:lstStyle/>
+            <a:p>
+              <a:pPr algn="ctr"/>
+              <a:endParaRPr lang="zh-TW" altLang="en-US"/>
+            </a:p>
+          </p:txBody>
+        </p:sp>
+        <p:sp>
+          <p:nvSpPr>
+            <p:cNvPr id="5" name="矩形 4"/>
+            <p:cNvSpPr/>
+            <p:nvPr/>
+          </p:nvSpPr>
+          <p:spPr>
+            <a:xfrm>
+              <a:off x="5622102" y="1019907"/>
+              <a:ext cx="2598705" cy="254978"/>
+            </a:xfrm>
+            <a:prstGeom prst="rect">
+              <a:avLst/>
+            </a:prstGeom>
+            <a:noFill/>
+            <a:ln w="31750">
+              <a:solidFill>
+                <a:srgbClr val="FF0000"/>
+              </a:solidFill>
+            </a:ln>
+          </p:spPr>
+          <p:style>
+            <a:lnRef idx="2">
+              <a:schemeClr val="accent1">
+                <a:shade val="50000"/>
+              </a:schemeClr>
+            </a:lnRef>
+            <a:fillRef idx="1">
+              <a:schemeClr val="accent1"/>
+            </a:fillRef>
+            <a:effectRef idx="0">
+              <a:schemeClr val="accent1"/>
+            </a:effectRef>
+            <a:fontRef idx="minor">
+              <a:schemeClr val="lt1"/>
+            </a:fontRef>
+          </p:style>
+          <p:txBody>
+            <a:bodyPr rtlCol="0" anchor="ctr"/>
+            <a:lstStyle/>
+            <a:p>
+              <a:pPr algn="ctr"/>
+              <a:endParaRPr lang="zh-TW" altLang="en-US"/>
+            </a:p>
+          </p:txBody>
+        </p:sp>
+        <p:sp>
+          <p:nvSpPr>
+            <p:cNvPr id="9" name="矩形 8"/>
+            <p:cNvSpPr/>
+            <p:nvPr/>
+          </p:nvSpPr>
+          <p:spPr>
+            <a:xfrm>
+              <a:off x="3506088" y="562708"/>
+              <a:ext cx="907650" cy="263769"/>
+            </a:xfrm>
+            <a:prstGeom prst="rect">
+              <a:avLst/>
+            </a:prstGeom>
+            <a:noFill/>
+            <a:ln w="31750">
+              <a:solidFill>
+                <a:srgbClr val="FF0000"/>
+              </a:solidFill>
+            </a:ln>
+          </p:spPr>
+          <p:style>
+            <a:lnRef idx="2">
+              <a:schemeClr val="accent1">
+                <a:shade val="50000"/>
+              </a:schemeClr>
+            </a:lnRef>
+            <a:fillRef idx="1">
+              <a:schemeClr val="accent1"/>
+            </a:fillRef>
+            <a:effectRef idx="0">
+              <a:schemeClr val="accent1"/>
+            </a:effectRef>
+            <a:fontRef idx="minor">
+              <a:schemeClr val="lt1"/>
+            </a:fontRef>
+          </p:style>
+          <p:txBody>
+            <a:bodyPr rtlCol="0" anchor="ctr"/>
+            <a:lstStyle/>
+            <a:p>
+              <a:pPr algn="ctr"/>
+              <a:endParaRPr lang="zh-TW" altLang="en-US"/>
+            </a:p>
+          </p:txBody>
+        </p:sp>
+      </p:grpSp>
+    </p:spTree>
+    <p:extLst>
+      <p:ext uri="{BB962C8B-B14F-4D97-AF65-F5344CB8AC3E}">
+        <p14:creationId xmlns:p14="http://schemas.microsoft.com/office/powerpoint/2010/main" val="2567472963"/>
+      </p:ext>
+    </p:extLst>
+  </p:cSld>
+  <p:clrMapOvr>
+    <a:masterClrMapping/>
+  </p:clrMapOvr>
+</p:sld>
+</file>
+
+<file path=ppt/slides/slide4.xml><?xml version="1.0" encoding="utf-8"?>
+<p:sld xmlns:a="http://schemas.openxmlformats.org/drawingml/2006/main" xmlns:r="http://schemas.openxmlformats.org/officeDocument/2006/relationships" xmlns:p="http://schemas.openxmlformats.org/presentationml/2006/main">
+  <p:cSld>
+    <p:spTree>
+      <p:nvGrpSpPr>
+        <p:cNvPr id="1" name=""/>
+        <p:cNvGrpSpPr/>
+        <p:nvPr/>
+      </p:nvGrpSpPr>
+      <p:grpSpPr>
+        <a:xfrm>
+          <a:off x="0" y="0"/>
+          <a:ext cx="0" cy="0"/>
+          <a:chOff x="0" y="0"/>
+          <a:chExt cx="0" cy="0"/>
+        </a:xfrm>
+      </p:grpSpPr>
+      <p:grpSp>
+        <p:nvGrpSpPr>
+          <p:cNvPr id="6" name="群組 5"/>
+          <p:cNvGrpSpPr/>
+          <p:nvPr/>
+        </p:nvGrpSpPr>
+        <p:grpSpPr>
+          <a:xfrm>
+            <a:off x="3438903" y="-285614"/>
+            <a:ext cx="5068007" cy="8554644"/>
+            <a:chOff x="3438903" y="-285614"/>
+            <a:chExt cx="5068007" cy="8554644"/>
+          </a:xfrm>
+        </p:grpSpPr>
+        <p:pic>
+          <p:nvPicPr>
+            <p:cNvPr id="2" name="圖片 1"/>
+            <p:cNvPicPr>
+              <a:picLocks noChangeAspect="1"/>
+            </p:cNvPicPr>
+            <p:nvPr/>
+          </p:nvPicPr>
+          <p:blipFill>
+            <a:blip r:embed="rId2"/>
+            <a:stretch>
+              <a:fillRect/>
+            </a:stretch>
+          </p:blipFill>
+          <p:spPr>
+            <a:xfrm>
+              <a:off x="3438903" y="-285614"/>
+              <a:ext cx="5068007" cy="8554644"/>
+            </a:xfrm>
+            <a:prstGeom prst="rect">
+              <a:avLst/>
+            </a:prstGeom>
+          </p:spPr>
+        </p:pic>
+        <p:sp>
+          <p:nvSpPr>
+            <p:cNvPr id="3" name="矩形 2"/>
+            <p:cNvSpPr/>
+            <p:nvPr/>
+          </p:nvSpPr>
+          <p:spPr>
+            <a:xfrm>
+              <a:off x="3631223" y="4396155"/>
+              <a:ext cx="747346" cy="202222"/>
+            </a:xfrm>
+            <a:prstGeom prst="rect">
+              <a:avLst/>
+            </a:prstGeom>
+            <a:noFill/>
+            <a:ln w="31750">
+              <a:solidFill>
+                <a:srgbClr val="FF0000"/>
+              </a:solidFill>
+            </a:ln>
+          </p:spPr>
+          <p:style>
+            <a:lnRef idx="2">
+              <a:schemeClr val="accent1">
+                <a:shade val="50000"/>
+              </a:schemeClr>
+            </a:lnRef>
+            <a:fillRef idx="1">
+              <a:schemeClr val="accent1"/>
+            </a:fillRef>
+            <a:effectRef idx="0">
+              <a:schemeClr val="accent1"/>
+            </a:effectRef>
+            <a:fontRef idx="minor">
+              <a:schemeClr val="lt1"/>
+            </a:fontRef>
+          </p:style>
+          <p:txBody>
+            <a:bodyPr rtlCol="0" anchor="ctr"/>
+            <a:lstStyle/>
+            <a:p>
+              <a:pPr algn="ctr"/>
+              <a:endParaRPr lang="zh-TW" altLang="en-US"/>
+            </a:p>
+          </p:txBody>
+        </p:sp>
+        <p:sp>
+          <p:nvSpPr>
+            <p:cNvPr id="4" name="矩形 3"/>
+            <p:cNvSpPr/>
+            <p:nvPr/>
+          </p:nvSpPr>
+          <p:spPr>
+            <a:xfrm>
+              <a:off x="5671038" y="835269"/>
+              <a:ext cx="1274885" cy="246185"/>
+            </a:xfrm>
+            <a:prstGeom prst="rect">
+              <a:avLst/>
+            </a:prstGeom>
+            <a:noFill/>
+            <a:ln w="31750">
+              <a:solidFill>
+                <a:srgbClr val="FF0000"/>
+              </a:solidFill>
+            </a:ln>
+          </p:spPr>
+          <p:style>
+            <a:lnRef idx="2">
+              <a:schemeClr val="accent1">
+                <a:shade val="50000"/>
+              </a:schemeClr>
+            </a:lnRef>
+            <a:fillRef idx="1">
+              <a:schemeClr val="accent1"/>
+            </a:fillRef>
+            <a:effectRef idx="0">
+              <a:schemeClr val="accent1"/>
+            </a:effectRef>
+            <a:fontRef idx="minor">
+              <a:schemeClr val="lt1"/>
+            </a:fontRef>
+          </p:style>
+          <p:txBody>
+            <a:bodyPr rtlCol="0" anchor="ctr"/>
+            <a:lstStyle/>
+            <a:p>
+              <a:pPr algn="ctr"/>
+              <a:endParaRPr lang="zh-TW" altLang="en-US"/>
+            </a:p>
+          </p:txBody>
+        </p:sp>
+        <p:sp>
+          <p:nvSpPr>
+            <p:cNvPr id="5" name="矩形 4"/>
+            <p:cNvSpPr/>
+            <p:nvPr/>
+          </p:nvSpPr>
+          <p:spPr>
+            <a:xfrm>
+              <a:off x="3555910" y="2031024"/>
+              <a:ext cx="822659" cy="211014"/>
+            </a:xfrm>
+            <a:prstGeom prst="rect">
+              <a:avLst/>
+            </a:prstGeom>
+            <a:noFill/>
+            <a:ln w="31750">
+              <a:solidFill>
+                <a:srgbClr val="FF0000"/>
+              </a:solidFill>
+            </a:ln>
+          </p:spPr>
+          <p:style>
+            <a:lnRef idx="2">
+              <a:schemeClr val="accent1">
+                <a:shade val="50000"/>
+              </a:schemeClr>
+            </a:lnRef>
+            <a:fillRef idx="1">
+              <a:schemeClr val="accent1"/>
+            </a:fillRef>
+            <a:effectRef idx="0">
+              <a:schemeClr val="accent1"/>
+            </a:effectRef>
+            <a:fontRef idx="minor">
+              <a:schemeClr val="lt1"/>
+            </a:fontRef>
+          </p:style>
+          <p:txBody>
+            <a:bodyPr rtlCol="0" anchor="ctr"/>
+            <a:lstStyle/>
+            <a:p>
+              <a:pPr algn="ctr"/>
+              <a:endParaRPr lang="zh-TW" altLang="en-US"/>
+            </a:p>
+          </p:txBody>
+        </p:sp>
+      </p:grpSp>
+    </p:spTree>
+    <p:extLst>
+      <p:ext uri="{BB962C8B-B14F-4D97-AF65-F5344CB8AC3E}">
+        <p14:creationId xmlns:p14="http://schemas.microsoft.com/office/powerpoint/2010/main" val="18937922"/>
+      </p:ext>
+    </p:extLst>
+  </p:cSld>
+  <p:clrMapOvr>
+    <a:masterClrMapping/>
+  </p:clrMapOvr>
+</p:sld>
+</file>
+
+<file path=ppt/slides/slide5.xml><?xml version="1.0" encoding="utf-8"?>
 <p:sld xmlns:a="http://schemas.openxmlformats.org/drawingml/2006/main" xmlns:r="http://schemas.openxmlformats.org/officeDocument/2006/relationships" xmlns:p="http://schemas.openxmlformats.org/presentationml/2006/main">
   <p:cSld>
     <p:spTree>
@@ -3379,36 +4353,6 @@
 </p:sld>
 </file>
 
-<file path=ppt/slides/slide2.xml><?xml version="1.0" encoding="utf-8"?>
-<p:sld xmlns:a="http://schemas.openxmlformats.org/drawingml/2006/main" xmlns:r="http://schemas.openxmlformats.org/officeDocument/2006/relationships" xmlns:p="http://schemas.openxmlformats.org/presentationml/2006/main">
-  <p:cSld>
-    <p:spTree>
-      <p:nvGrpSpPr>
-        <p:cNvPr id="1" name=""/>
-        <p:cNvGrpSpPr/>
-        <p:nvPr/>
-      </p:nvGrpSpPr>
-      <p:grpSpPr>
-        <a:xfrm>
-          <a:off x="0" y="0"/>
-          <a:ext cx="0" cy="0"/>
-          <a:chOff x="0" y="0"/>
-          <a:chExt cx="0" cy="0"/>
-        </a:xfrm>
-      </p:grpSpPr>
-    </p:spTree>
-    <p:extLst>
-      <p:ext uri="{BB962C8B-B14F-4D97-AF65-F5344CB8AC3E}">
-        <p14:creationId xmlns:p14="http://schemas.microsoft.com/office/powerpoint/2010/main" val="1477688609"/>
-      </p:ext>
-    </p:extLst>
-  </p:cSld>
-  <p:clrMapOvr>
-    <a:masterClrMapping/>
-  </p:clrMapOvr>
-</p:sld>
-</file>
-
 <file path=ppt/theme/theme1.xml><?xml version="1.0" encoding="utf-8"?>
 <a:theme xmlns:a="http://schemas.openxmlformats.org/drawingml/2006/main" name="Office 佈景主題">
   <a:themeElements>
